--- a/validation/results/debug.pptx
+++ b/validation/results/debug.pptx
@@ -7,6 +7,9 @@
   <p:sldIdLst>
     <p:sldId id="256" r:id="rId2"/>
     <p:sldId id="257" r:id="rId3"/>
+    <p:sldId id="258" r:id="rId4"/>
+    <p:sldId id="259" r:id="rId5"/>
+    <p:sldId id="260" r:id="rId6"/>
   </p:sldIdLst>
   <p:sldSz cx="12192000" cy="6858000"/>
   <p:notesSz cx="6858000" cy="9144000"/>
@@ -105,6 +108,11 @@
       </a:defRPr>
     </a:lvl9pPr>
   </p:defaultTextStyle>
+  <p:extLst>
+    <p:ext uri="{EFAFB233-063F-42B5-8137-9DF3F51BA10A}">
+      <p15:sldGuideLst xmlns:p15="http://schemas.microsoft.com/office/powerpoint/2012/main"/>
+    </p:ext>
+  </p:extLst>
 </p:presentation>
 </file>
 
@@ -255,7 +263,7 @@
           <a:p>
             <a:fld id="{0FBC4A1B-9CDD-4186-9217-20490E2048B3}" type="datetimeFigureOut">
               <a:rPr lang="en-US" smtClean="0"/>
-              <a:t>8/29/2024</a:t>
+              <a:t>9/10/2024</a:t>
             </a:fld>
             <a:endParaRPr lang="en-US"/>
           </a:p>
@@ -453,7 +461,7 @@
           <a:p>
             <a:fld id="{0FBC4A1B-9CDD-4186-9217-20490E2048B3}" type="datetimeFigureOut">
               <a:rPr lang="en-US" smtClean="0"/>
-              <a:t>8/29/2024</a:t>
+              <a:t>9/10/2024</a:t>
             </a:fld>
             <a:endParaRPr lang="en-US"/>
           </a:p>
@@ -661,7 +669,7 @@
           <a:p>
             <a:fld id="{0FBC4A1B-9CDD-4186-9217-20490E2048B3}" type="datetimeFigureOut">
               <a:rPr lang="en-US" smtClean="0"/>
-              <a:t>8/29/2024</a:t>
+              <a:t>9/10/2024</a:t>
             </a:fld>
             <a:endParaRPr lang="en-US"/>
           </a:p>
@@ -859,7 +867,7 @@
           <a:p>
             <a:fld id="{0FBC4A1B-9CDD-4186-9217-20490E2048B3}" type="datetimeFigureOut">
               <a:rPr lang="en-US" smtClean="0"/>
-              <a:t>8/29/2024</a:t>
+              <a:t>9/10/2024</a:t>
             </a:fld>
             <a:endParaRPr lang="en-US"/>
           </a:p>
@@ -1134,7 +1142,7 @@
           <a:p>
             <a:fld id="{0FBC4A1B-9CDD-4186-9217-20490E2048B3}" type="datetimeFigureOut">
               <a:rPr lang="en-US" smtClean="0"/>
-              <a:t>8/29/2024</a:t>
+              <a:t>9/10/2024</a:t>
             </a:fld>
             <a:endParaRPr lang="en-US"/>
           </a:p>
@@ -1399,7 +1407,7 @@
           <a:p>
             <a:fld id="{0FBC4A1B-9CDD-4186-9217-20490E2048B3}" type="datetimeFigureOut">
               <a:rPr lang="en-US" smtClean="0"/>
-              <a:t>8/29/2024</a:t>
+              <a:t>9/10/2024</a:t>
             </a:fld>
             <a:endParaRPr lang="en-US"/>
           </a:p>
@@ -1811,7 +1819,7 @@
           <a:p>
             <a:fld id="{0FBC4A1B-9CDD-4186-9217-20490E2048B3}" type="datetimeFigureOut">
               <a:rPr lang="en-US" smtClean="0"/>
-              <a:t>8/29/2024</a:t>
+              <a:t>9/10/2024</a:t>
             </a:fld>
             <a:endParaRPr lang="en-US"/>
           </a:p>
@@ -1952,7 +1960,7 @@
           <a:p>
             <a:fld id="{0FBC4A1B-9CDD-4186-9217-20490E2048B3}" type="datetimeFigureOut">
               <a:rPr lang="en-US" smtClean="0"/>
-              <a:t>8/29/2024</a:t>
+              <a:t>9/10/2024</a:t>
             </a:fld>
             <a:endParaRPr lang="en-US"/>
           </a:p>
@@ -2065,7 +2073,7 @@
           <a:p>
             <a:fld id="{0FBC4A1B-9CDD-4186-9217-20490E2048B3}" type="datetimeFigureOut">
               <a:rPr lang="en-US" smtClean="0"/>
-              <a:t>8/29/2024</a:t>
+              <a:t>9/10/2024</a:t>
             </a:fld>
             <a:endParaRPr lang="en-US"/>
           </a:p>
@@ -2376,7 +2384,7 @@
           <a:p>
             <a:fld id="{0FBC4A1B-9CDD-4186-9217-20490E2048B3}" type="datetimeFigureOut">
               <a:rPr lang="en-US" smtClean="0"/>
-              <a:t>8/29/2024</a:t>
+              <a:t>9/10/2024</a:t>
             </a:fld>
             <a:endParaRPr lang="en-US"/>
           </a:p>
@@ -2664,7 +2672,7 @@
           <a:p>
             <a:fld id="{0FBC4A1B-9CDD-4186-9217-20490E2048B3}" type="datetimeFigureOut">
               <a:rPr lang="en-US" smtClean="0"/>
-              <a:t>8/29/2024</a:t>
+              <a:t>9/10/2024</a:t>
             </a:fld>
             <a:endParaRPr lang="en-US"/>
           </a:p>
@@ -2905,7 +2913,7 @@
           <a:p>
             <a:fld id="{0FBC4A1B-9CDD-4186-9217-20490E2048B3}" type="datetimeFigureOut">
               <a:rPr lang="en-US" smtClean="0"/>
-              <a:t>8/29/2024</a:t>
+              <a:t>9/10/2024</a:t>
             </a:fld>
             <a:endParaRPr lang="en-US"/>
           </a:p>
@@ -3412,6 +3420,36 @@
           </a:prstGeom>
         </p:spPr>
       </p:pic>
+      <p:pic>
+        <p:nvPicPr>
+          <p:cNvPr id="2" name="Picture 1">
+            <a:extLst>
+              <a:ext uri="{FF2B5EF4-FFF2-40B4-BE49-F238E27FC236}">
+                <a16:creationId xmlns:a16="http://schemas.microsoft.com/office/drawing/2014/main" id="{46194CE5-C764-2C82-92BB-559E15A87A83}"/>
+              </a:ext>
+            </a:extLst>
+          </p:cNvPr>
+          <p:cNvPicPr>
+            <a:picLocks noChangeAspect="1"/>
+          </p:cNvPicPr>
+          <p:nvPr/>
+        </p:nvPicPr>
+        <p:blipFill>
+          <a:blip r:embed="rId2"/>
+          <a:stretch>
+            <a:fillRect/>
+          </a:stretch>
+        </p:blipFill>
+        <p:spPr>
+          <a:xfrm>
+            <a:off x="2603037" y="2196461"/>
+            <a:ext cx="1582455" cy="1702180"/>
+          </a:xfrm>
+          <a:prstGeom prst="rect">
+            <a:avLst/>
+          </a:prstGeom>
+        </p:spPr>
+      </p:pic>
       <p:cxnSp>
         <p:nvCxnSpPr>
           <p:cNvPr id="10" name="Straight Arrow Connector 9">
@@ -3614,6 +3652,462 @@
     <p:extLst>
       <p:ext uri="{BB962C8B-B14F-4D97-AF65-F5344CB8AC3E}">
         <p14:creationId xmlns:p14="http://schemas.microsoft.com/office/powerpoint/2010/main" val="4172251871"/>
+      </p:ext>
+    </p:extLst>
+  </p:cSld>
+  <p:clrMapOvr>
+    <a:masterClrMapping/>
+  </p:clrMapOvr>
+</p:sld>
+</file>
+
+<file path=ppt/slides/slide3.xml><?xml version="1.0" encoding="utf-8"?>
+<p:sld xmlns:a="http://schemas.openxmlformats.org/drawingml/2006/main" xmlns:r="http://schemas.openxmlformats.org/officeDocument/2006/relationships" xmlns:p="http://schemas.openxmlformats.org/presentationml/2006/main">
+  <p:cSld>
+    <p:spTree>
+      <p:nvGrpSpPr>
+        <p:cNvPr id="1" name=""/>
+        <p:cNvGrpSpPr/>
+        <p:nvPr/>
+      </p:nvGrpSpPr>
+      <p:grpSpPr>
+        <a:xfrm>
+          <a:off x="0" y="0"/>
+          <a:ext cx="0" cy="0"/>
+          <a:chOff x="0" y="0"/>
+          <a:chExt cx="0" cy="0"/>
+        </a:xfrm>
+      </p:grpSpPr>
+      <p:pic>
+        <p:nvPicPr>
+          <p:cNvPr id="9" name="Picture 8">
+            <a:extLst>
+              <a:ext uri="{FF2B5EF4-FFF2-40B4-BE49-F238E27FC236}">
+                <a16:creationId xmlns:a16="http://schemas.microsoft.com/office/drawing/2014/main" id="{FDCC33A9-8A11-9FCA-DC91-2FF85BB2C86D}"/>
+              </a:ext>
+            </a:extLst>
+          </p:cNvPr>
+          <p:cNvPicPr>
+            <a:picLocks noChangeAspect="1"/>
+          </p:cNvPicPr>
+          <p:nvPr/>
+        </p:nvPicPr>
+        <p:blipFill>
+          <a:blip r:embed="rId2"/>
+          <a:stretch>
+            <a:fillRect/>
+          </a:stretch>
+        </p:blipFill>
+        <p:spPr>
+          <a:xfrm>
+            <a:off x="67601" y="3173430"/>
+            <a:ext cx="5107203" cy="654461"/>
+          </a:xfrm>
+          <a:prstGeom prst="rect">
+            <a:avLst/>
+          </a:prstGeom>
+        </p:spPr>
+      </p:pic>
+      <p:pic>
+        <p:nvPicPr>
+          <p:cNvPr id="11" name="Picture 10">
+            <a:extLst>
+              <a:ext uri="{FF2B5EF4-FFF2-40B4-BE49-F238E27FC236}">
+                <a16:creationId xmlns:a16="http://schemas.microsoft.com/office/drawing/2014/main" id="{802AD068-68E0-8CD7-5A17-CA3448872502}"/>
+              </a:ext>
+            </a:extLst>
+          </p:cNvPr>
+          <p:cNvPicPr>
+            <a:picLocks noChangeAspect="1"/>
+          </p:cNvPicPr>
+          <p:nvPr/>
+        </p:nvPicPr>
+        <p:blipFill>
+          <a:blip r:embed="rId3"/>
+          <a:stretch>
+            <a:fillRect/>
+          </a:stretch>
+        </p:blipFill>
+        <p:spPr>
+          <a:xfrm>
+            <a:off x="5570256" y="3232849"/>
+            <a:ext cx="3976038" cy="1521953"/>
+          </a:xfrm>
+          <a:prstGeom prst="rect">
+            <a:avLst/>
+          </a:prstGeom>
+        </p:spPr>
+      </p:pic>
+      <p:pic>
+        <p:nvPicPr>
+          <p:cNvPr id="13" name="Picture 12" descr="A graph with numbers and a rectangle&#10;&#10;Description automatically generated">
+            <a:extLst>
+              <a:ext uri="{FF2B5EF4-FFF2-40B4-BE49-F238E27FC236}">
+                <a16:creationId xmlns:a16="http://schemas.microsoft.com/office/drawing/2014/main" id="{C846A2EF-E546-36E3-3550-1DEB6D4168DE}"/>
+              </a:ext>
+            </a:extLst>
+          </p:cNvPr>
+          <p:cNvPicPr>
+            <a:picLocks noChangeAspect="1"/>
+          </p:cNvPicPr>
+          <p:nvPr/>
+        </p:nvPicPr>
+        <p:blipFill>
+          <a:blip r:embed="rId4">
+            <a:extLst>
+              <a:ext uri="{28A0092B-C50C-407E-A947-70E740481C1C}">
+                <a14:useLocalDpi xmlns:a14="http://schemas.microsoft.com/office/drawing/2010/main" val="0"/>
+              </a:ext>
+            </a:extLst>
+          </a:blip>
+          <a:stretch>
+            <a:fillRect/>
+          </a:stretch>
+        </p:blipFill>
+        <p:spPr>
+          <a:xfrm>
+            <a:off x="5503524" y="0"/>
+            <a:ext cx="4553683" cy="3342091"/>
+          </a:xfrm>
+          <a:prstGeom prst="rect">
+            <a:avLst/>
+          </a:prstGeom>
+        </p:spPr>
+      </p:pic>
+      <p:pic>
+        <p:nvPicPr>
+          <p:cNvPr id="17" name="Picture 16">
+            <a:extLst>
+              <a:ext uri="{FF2B5EF4-FFF2-40B4-BE49-F238E27FC236}">
+                <a16:creationId xmlns:a16="http://schemas.microsoft.com/office/drawing/2014/main" id="{5E5D7D23-63AD-222E-9B0A-AFC0709C5E7B}"/>
+              </a:ext>
+            </a:extLst>
+          </p:cNvPr>
+          <p:cNvPicPr>
+            <a:picLocks noChangeAspect="1"/>
+          </p:cNvPicPr>
+          <p:nvPr/>
+        </p:nvPicPr>
+        <p:blipFill>
+          <a:blip r:embed="rId5"/>
+          <a:stretch>
+            <a:fillRect/>
+          </a:stretch>
+        </p:blipFill>
+        <p:spPr>
+          <a:xfrm>
+            <a:off x="560971" y="3993826"/>
+            <a:ext cx="2973556" cy="2703443"/>
+          </a:xfrm>
+          <a:prstGeom prst="rect">
+            <a:avLst/>
+          </a:prstGeom>
+        </p:spPr>
+      </p:pic>
+      <p:pic>
+        <p:nvPicPr>
+          <p:cNvPr id="19" name="Picture 18">
+            <a:extLst>
+              <a:ext uri="{FF2B5EF4-FFF2-40B4-BE49-F238E27FC236}">
+                <a16:creationId xmlns:a16="http://schemas.microsoft.com/office/drawing/2014/main" id="{6D6F775C-61A9-DFE2-EAB7-9EA26BE27005}"/>
+              </a:ext>
+            </a:extLst>
+          </p:cNvPr>
+          <p:cNvPicPr>
+            <a:picLocks noChangeAspect="1"/>
+          </p:cNvPicPr>
+          <p:nvPr/>
+        </p:nvPicPr>
+        <p:blipFill>
+          <a:blip r:embed="rId6"/>
+          <a:stretch>
+            <a:fillRect/>
+          </a:stretch>
+        </p:blipFill>
+        <p:spPr>
+          <a:xfrm>
+            <a:off x="8167626" y="3581637"/>
+            <a:ext cx="3326673" cy="2888953"/>
+          </a:xfrm>
+          <a:prstGeom prst="rect">
+            <a:avLst/>
+          </a:prstGeom>
+        </p:spPr>
+      </p:pic>
+      <p:pic>
+        <p:nvPicPr>
+          <p:cNvPr id="21" name="Picture 20">
+            <a:extLst>
+              <a:ext uri="{FF2B5EF4-FFF2-40B4-BE49-F238E27FC236}">
+                <a16:creationId xmlns:a16="http://schemas.microsoft.com/office/drawing/2014/main" id="{7F9B814F-CFAE-8462-A7DB-3E392C72631B}"/>
+              </a:ext>
+            </a:extLst>
+          </p:cNvPr>
+          <p:cNvPicPr>
+            <a:picLocks noChangeAspect="1"/>
+          </p:cNvPicPr>
+          <p:nvPr/>
+        </p:nvPicPr>
+        <p:blipFill>
+          <a:blip r:embed="rId7"/>
+          <a:stretch>
+            <a:fillRect/>
+          </a:stretch>
+        </p:blipFill>
+        <p:spPr>
+          <a:xfrm>
+            <a:off x="612830" y="311426"/>
+            <a:ext cx="3898894" cy="2964938"/>
+          </a:xfrm>
+          <a:prstGeom prst="rect">
+            <a:avLst/>
+          </a:prstGeom>
+        </p:spPr>
+      </p:pic>
+    </p:spTree>
+    <p:extLst>
+      <p:ext uri="{BB962C8B-B14F-4D97-AF65-F5344CB8AC3E}">
+        <p14:creationId xmlns:p14="http://schemas.microsoft.com/office/powerpoint/2010/main" val="2146782522"/>
+      </p:ext>
+    </p:extLst>
+  </p:cSld>
+  <p:clrMapOvr>
+    <a:masterClrMapping/>
+  </p:clrMapOvr>
+</p:sld>
+</file>
+
+<file path=ppt/slides/slide4.xml><?xml version="1.0" encoding="utf-8"?>
+<p:sld xmlns:a="http://schemas.openxmlformats.org/drawingml/2006/main" xmlns:r="http://schemas.openxmlformats.org/officeDocument/2006/relationships" xmlns:p="http://schemas.openxmlformats.org/presentationml/2006/main">
+  <p:cSld>
+    <p:spTree>
+      <p:nvGrpSpPr>
+        <p:cNvPr id="1" name=""/>
+        <p:cNvGrpSpPr/>
+        <p:nvPr/>
+      </p:nvGrpSpPr>
+      <p:grpSpPr>
+        <a:xfrm>
+          <a:off x="0" y="0"/>
+          <a:ext cx="0" cy="0"/>
+          <a:chOff x="0" y="0"/>
+          <a:chExt cx="0" cy="0"/>
+        </a:xfrm>
+      </p:grpSpPr>
+      <p:pic>
+        <p:nvPicPr>
+          <p:cNvPr id="7" name="Picture 6">
+            <a:extLst>
+              <a:ext uri="{FF2B5EF4-FFF2-40B4-BE49-F238E27FC236}">
+                <a16:creationId xmlns:a16="http://schemas.microsoft.com/office/drawing/2014/main" id="{3E06B210-233C-7F8C-24E1-25C416DA6D86}"/>
+              </a:ext>
+            </a:extLst>
+          </p:cNvPr>
+          <p:cNvPicPr>
+            <a:picLocks noChangeAspect="1"/>
+          </p:cNvPicPr>
+          <p:nvPr/>
+        </p:nvPicPr>
+        <p:blipFill>
+          <a:blip r:embed="rId2"/>
+          <a:stretch>
+            <a:fillRect/>
+          </a:stretch>
+        </p:blipFill>
+        <p:spPr>
+          <a:xfrm>
+            <a:off x="5021840" y="313645"/>
+            <a:ext cx="6629400" cy="5838825"/>
+          </a:xfrm>
+          <a:prstGeom prst="rect">
+            <a:avLst/>
+          </a:prstGeom>
+        </p:spPr>
+      </p:pic>
+      <p:pic>
+        <p:nvPicPr>
+          <p:cNvPr id="9" name="Picture 8">
+            <a:extLst>
+              <a:ext uri="{FF2B5EF4-FFF2-40B4-BE49-F238E27FC236}">
+                <a16:creationId xmlns:a16="http://schemas.microsoft.com/office/drawing/2014/main" id="{DB5E4393-ABCE-9B53-B1CC-F29BB64DEA28}"/>
+              </a:ext>
+            </a:extLst>
+          </p:cNvPr>
+          <p:cNvPicPr>
+            <a:picLocks noChangeAspect="1"/>
+          </p:cNvPicPr>
+          <p:nvPr/>
+        </p:nvPicPr>
+        <p:blipFill>
+          <a:blip r:embed="rId3"/>
+          <a:stretch>
+            <a:fillRect/>
+          </a:stretch>
+        </p:blipFill>
+        <p:spPr>
+          <a:xfrm>
+            <a:off x="199723" y="4279938"/>
+            <a:ext cx="4689955" cy="2126642"/>
+          </a:xfrm>
+          <a:prstGeom prst="rect">
+            <a:avLst/>
+          </a:prstGeom>
+        </p:spPr>
+      </p:pic>
+      <p:pic>
+        <p:nvPicPr>
+          <p:cNvPr id="13" name="Picture 12">
+            <a:extLst>
+              <a:ext uri="{FF2B5EF4-FFF2-40B4-BE49-F238E27FC236}">
+                <a16:creationId xmlns:a16="http://schemas.microsoft.com/office/drawing/2014/main" id="{6EFB4EFC-4886-BA5E-CE04-DC85F0B0C55F}"/>
+              </a:ext>
+            </a:extLst>
+          </p:cNvPr>
+          <p:cNvPicPr>
+            <a:picLocks noChangeAspect="1"/>
+          </p:cNvPicPr>
+          <p:nvPr/>
+        </p:nvPicPr>
+        <p:blipFill>
+          <a:blip r:embed="rId4"/>
+          <a:stretch>
+            <a:fillRect/>
+          </a:stretch>
+        </p:blipFill>
+        <p:spPr>
+          <a:xfrm>
+            <a:off x="0" y="709127"/>
+            <a:ext cx="4685613" cy="3391678"/>
+          </a:xfrm>
+          <a:prstGeom prst="rect">
+            <a:avLst/>
+          </a:prstGeom>
+        </p:spPr>
+      </p:pic>
+    </p:spTree>
+    <p:extLst>
+      <p:ext uri="{BB962C8B-B14F-4D97-AF65-F5344CB8AC3E}">
+        <p14:creationId xmlns:p14="http://schemas.microsoft.com/office/powerpoint/2010/main" val="2063902343"/>
+      </p:ext>
+    </p:extLst>
+  </p:cSld>
+  <p:clrMapOvr>
+    <a:masterClrMapping/>
+  </p:clrMapOvr>
+</p:sld>
+</file>
+
+<file path=ppt/slides/slide5.xml><?xml version="1.0" encoding="utf-8"?>
+<p:sld xmlns:a="http://schemas.openxmlformats.org/drawingml/2006/main" xmlns:r="http://schemas.openxmlformats.org/officeDocument/2006/relationships" xmlns:p="http://schemas.openxmlformats.org/presentationml/2006/main">
+  <p:cSld>
+    <p:spTree>
+      <p:nvGrpSpPr>
+        <p:cNvPr id="1" name=""/>
+        <p:cNvGrpSpPr/>
+        <p:nvPr/>
+      </p:nvGrpSpPr>
+      <p:grpSpPr>
+        <a:xfrm>
+          <a:off x="0" y="0"/>
+          <a:ext cx="0" cy="0"/>
+          <a:chOff x="0" y="0"/>
+          <a:chExt cx="0" cy="0"/>
+        </a:xfrm>
+      </p:grpSpPr>
+      <p:pic>
+        <p:nvPicPr>
+          <p:cNvPr id="7" name="Picture 6">
+            <a:extLst>
+              <a:ext uri="{FF2B5EF4-FFF2-40B4-BE49-F238E27FC236}">
+                <a16:creationId xmlns:a16="http://schemas.microsoft.com/office/drawing/2014/main" id="{EE395CCC-C1B9-30E5-89C8-77CD0AA48874}"/>
+              </a:ext>
+            </a:extLst>
+          </p:cNvPr>
+          <p:cNvPicPr>
+            <a:picLocks noChangeAspect="1"/>
+          </p:cNvPicPr>
+          <p:nvPr/>
+        </p:nvPicPr>
+        <p:blipFill>
+          <a:blip r:embed="rId2"/>
+          <a:stretch>
+            <a:fillRect/>
+          </a:stretch>
+        </p:blipFill>
+        <p:spPr>
+          <a:xfrm>
+            <a:off x="3607757" y="216935"/>
+            <a:ext cx="8484035" cy="4210439"/>
+          </a:xfrm>
+          <a:prstGeom prst="rect">
+            <a:avLst/>
+          </a:prstGeom>
+        </p:spPr>
+      </p:pic>
+      <p:pic>
+        <p:nvPicPr>
+          <p:cNvPr id="9" name="Picture 8">
+            <a:extLst>
+              <a:ext uri="{FF2B5EF4-FFF2-40B4-BE49-F238E27FC236}">
+                <a16:creationId xmlns:a16="http://schemas.microsoft.com/office/drawing/2014/main" id="{AF66BED1-F165-E59C-400B-0644749A62C6}"/>
+              </a:ext>
+            </a:extLst>
+          </p:cNvPr>
+          <p:cNvPicPr>
+            <a:picLocks noChangeAspect="1"/>
+          </p:cNvPicPr>
+          <p:nvPr/>
+        </p:nvPicPr>
+        <p:blipFill>
+          <a:blip r:embed="rId3"/>
+          <a:stretch>
+            <a:fillRect/>
+          </a:stretch>
+        </p:blipFill>
+        <p:spPr>
+          <a:xfrm>
+            <a:off x="19756" y="93306"/>
+            <a:ext cx="4748171" cy="3275045"/>
+          </a:xfrm>
+          <a:prstGeom prst="rect">
+            <a:avLst/>
+          </a:prstGeom>
+        </p:spPr>
+      </p:pic>
+      <p:pic>
+        <p:nvPicPr>
+          <p:cNvPr id="13" name="Picture 12">
+            <a:extLst>
+              <a:ext uri="{FF2B5EF4-FFF2-40B4-BE49-F238E27FC236}">
+                <a16:creationId xmlns:a16="http://schemas.microsoft.com/office/drawing/2014/main" id="{2BAF601B-9FF1-5260-A181-326A277F9D07}"/>
+              </a:ext>
+            </a:extLst>
+          </p:cNvPr>
+          <p:cNvPicPr>
+            <a:picLocks noChangeAspect="1"/>
+          </p:cNvPicPr>
+          <p:nvPr/>
+        </p:nvPicPr>
+        <p:blipFill>
+          <a:blip r:embed="rId4"/>
+          <a:stretch>
+            <a:fillRect/>
+          </a:stretch>
+        </p:blipFill>
+        <p:spPr>
+          <a:xfrm>
+            <a:off x="565676" y="3429000"/>
+            <a:ext cx="4302194" cy="3275045"/>
+          </a:xfrm>
+          <a:prstGeom prst="rect">
+            <a:avLst/>
+          </a:prstGeom>
+        </p:spPr>
+      </p:pic>
+    </p:spTree>
+    <p:extLst>
+      <p:ext uri="{BB962C8B-B14F-4D97-AF65-F5344CB8AC3E}">
+        <p14:creationId xmlns:p14="http://schemas.microsoft.com/office/powerpoint/2010/main" val="1901497247"/>
       </p:ext>
     </p:extLst>
   </p:cSld>
